--- a/project_description.pptx
+++ b/project_description.pptx
@@ -7989,7 +7989,13 @@
           <a:p>
             <a:r>
               <a:rPr lang="de-CH" dirty="0"/>
-              <a:t>Sem. Project</a:t>
+              <a:t>19 April 2024</a:t>
+            </a:r>
+          </a:p>
+          <a:p>
+            <a:r>
+              <a:rPr lang="de-CH" dirty="0"/>
+              <a:t>Semester Project</a:t>
             </a:r>
           </a:p>
           <a:p>
@@ -8497,7 +8503,7 @@
           <a:p>
             <a:r>
               <a:rPr lang="en-US" sz="1800" dirty="0"/>
-              <a:t>1. Concept definition and literature review (2 weeks)</a:t>
+              <a:t>1. Concept definition and literature review (3 weeks)</a:t>
             </a:r>
             <a:br>
               <a:rPr lang="en-US" sz="1800" dirty="0"/>
@@ -8514,7 +8520,7 @@
             </a:br>
             <a:r>
               <a:rPr lang="en-US" sz="1800" dirty="0"/>
-              <a:t>age (2 weeks)</a:t>
+              <a:t>age and compare to those found in literature (2 weeks)</a:t>
             </a:r>
             <a:br>
               <a:rPr lang="en-US" sz="1800" dirty="0"/>
